--- a/zources/양식_뉴스레터_배너.pptx
+++ b/zources/양식_뉴스레터_배너.pptx
@@ -5,7 +5,14 @@
     <p:sldMasterId id="2147483684" r:id="rId1"/>
   </p:sldMasterIdLst>
   <p:sldIdLst>
-    <p:sldId id="256" r:id="rId2"/>
+    <p:sldId id="257" r:id="rId2"/>
+    <p:sldId id="260" r:id="rId3"/>
+    <p:sldId id="256" r:id="rId4"/>
+    <p:sldId id="259" r:id="rId5"/>
+    <p:sldId id="258" r:id="rId6"/>
+    <p:sldId id="261" r:id="rId7"/>
+    <p:sldId id="262" r:id="rId8"/>
+    <p:sldId id="263" r:id="rId9"/>
   </p:sldIdLst>
   <p:sldSz cx="6480175" cy="1079500"/>
   <p:notesSz cx="6858000" cy="9144000"/>
@@ -104,6 +111,11 @@
       </a:defRPr>
     </a:lvl9pPr>
   </p:defaultTextStyle>
+  <p:extLst>
+    <p:ext uri="{EFAFB233-063F-42B5-8137-9DF3F51BA10A}">
+      <p15:sldGuideLst xmlns:p15="http://schemas.microsoft.com/office/powerpoint/2012/main"/>
+    </p:ext>
+  </p:extLst>
 </p:presentation>
 </file>
 
@@ -238,7 +250,7 @@
           <a:p>
             <a:fld id="{C6ACB71D-ADCA-4C3A-9242-899DFBD71C0A}" type="datetimeFigureOut">
               <a:rPr lang="ko-KR" altLang="en-US" smtClean="0"/>
-              <a:t>2025-02-06</a:t>
+              <a:t>2025-02-23</a:t>
             </a:fld>
             <a:endParaRPr lang="ko-KR" altLang="en-US"/>
           </a:p>
@@ -408,7 +420,7 @@
           <a:p>
             <a:fld id="{C6ACB71D-ADCA-4C3A-9242-899DFBD71C0A}" type="datetimeFigureOut">
               <a:rPr lang="ko-KR" altLang="en-US" smtClean="0"/>
-              <a:t>2025-02-06</a:t>
+              <a:t>2025-02-23</a:t>
             </a:fld>
             <a:endParaRPr lang="ko-KR" altLang="en-US"/>
           </a:p>
@@ -588,7 +600,7 @@
           <a:p>
             <a:fld id="{C6ACB71D-ADCA-4C3A-9242-899DFBD71C0A}" type="datetimeFigureOut">
               <a:rPr lang="ko-KR" altLang="en-US" smtClean="0"/>
-              <a:t>2025-02-06</a:t>
+              <a:t>2025-02-23</a:t>
             </a:fld>
             <a:endParaRPr lang="ko-KR" altLang="en-US"/>
           </a:p>
@@ -758,7 +770,7 @@
           <a:p>
             <a:fld id="{C6ACB71D-ADCA-4C3A-9242-899DFBD71C0A}" type="datetimeFigureOut">
               <a:rPr lang="ko-KR" altLang="en-US" smtClean="0"/>
-              <a:t>2025-02-06</a:t>
+              <a:t>2025-02-23</a:t>
             </a:fld>
             <a:endParaRPr lang="ko-KR" altLang="en-US"/>
           </a:p>
@@ -1004,7 +1016,7 @@
           <a:p>
             <a:fld id="{C6ACB71D-ADCA-4C3A-9242-899DFBD71C0A}" type="datetimeFigureOut">
               <a:rPr lang="ko-KR" altLang="en-US" smtClean="0"/>
-              <a:t>2025-02-06</a:t>
+              <a:t>2025-02-23</a:t>
             </a:fld>
             <a:endParaRPr lang="ko-KR" altLang="en-US"/>
           </a:p>
@@ -1236,7 +1248,7 @@
           <a:p>
             <a:fld id="{C6ACB71D-ADCA-4C3A-9242-899DFBD71C0A}" type="datetimeFigureOut">
               <a:rPr lang="ko-KR" altLang="en-US" smtClean="0"/>
-              <a:t>2025-02-06</a:t>
+              <a:t>2025-02-23</a:t>
             </a:fld>
             <a:endParaRPr lang="ko-KR" altLang="en-US"/>
           </a:p>
@@ -1603,7 +1615,7 @@
           <a:p>
             <a:fld id="{C6ACB71D-ADCA-4C3A-9242-899DFBD71C0A}" type="datetimeFigureOut">
               <a:rPr lang="ko-KR" altLang="en-US" smtClean="0"/>
-              <a:t>2025-02-06</a:t>
+              <a:t>2025-02-23</a:t>
             </a:fld>
             <a:endParaRPr lang="ko-KR" altLang="en-US"/>
           </a:p>
@@ -1721,7 +1733,7 @@
           <a:p>
             <a:fld id="{C6ACB71D-ADCA-4C3A-9242-899DFBD71C0A}" type="datetimeFigureOut">
               <a:rPr lang="ko-KR" altLang="en-US" smtClean="0"/>
-              <a:t>2025-02-06</a:t>
+              <a:t>2025-02-23</a:t>
             </a:fld>
             <a:endParaRPr lang="ko-KR" altLang="en-US"/>
           </a:p>
@@ -1816,7 +1828,7 @@
           <a:p>
             <a:fld id="{C6ACB71D-ADCA-4C3A-9242-899DFBD71C0A}" type="datetimeFigureOut">
               <a:rPr lang="ko-KR" altLang="en-US" smtClean="0"/>
-              <a:t>2025-02-06</a:t>
+              <a:t>2025-02-23</a:t>
             </a:fld>
             <a:endParaRPr lang="ko-KR" altLang="en-US"/>
           </a:p>
@@ -2093,7 +2105,7 @@
           <a:p>
             <a:fld id="{C6ACB71D-ADCA-4C3A-9242-899DFBD71C0A}" type="datetimeFigureOut">
               <a:rPr lang="ko-KR" altLang="en-US" smtClean="0"/>
-              <a:t>2025-02-06</a:t>
+              <a:t>2025-02-23</a:t>
             </a:fld>
             <a:endParaRPr lang="ko-KR" altLang="en-US"/>
           </a:p>
@@ -2350,7 +2362,7 @@
           <a:p>
             <a:fld id="{C6ACB71D-ADCA-4C3A-9242-899DFBD71C0A}" type="datetimeFigureOut">
               <a:rPr lang="ko-KR" altLang="en-US" smtClean="0"/>
-              <a:t>2025-02-06</a:t>
+              <a:t>2025-02-23</a:t>
             </a:fld>
             <a:endParaRPr lang="ko-KR" altLang="en-US"/>
           </a:p>
@@ -2563,7 +2575,7 @@
           <a:p>
             <a:fld id="{C6ACB71D-ADCA-4C3A-9242-899DFBD71C0A}" type="datetimeFigureOut">
               <a:rPr lang="ko-KR" altLang="en-US" smtClean="0"/>
-              <a:t>2025-02-06</a:t>
+              <a:t>2025-02-23</a:t>
             </a:fld>
             <a:endParaRPr lang="ko-KR" altLang="en-US"/>
           </a:p>
@@ -2970,6 +2982,676 @@
       </p:grpSpPr>
       <p:pic>
         <p:nvPicPr>
+          <p:cNvPr id="6" name="그림 5">
+            <a:extLst>
+              <a:ext uri="{FF2B5EF4-FFF2-40B4-BE49-F238E27FC236}">
+                <a16:creationId xmlns:a16="http://schemas.microsoft.com/office/drawing/2014/main" id="{2688C60C-41F4-5B91-E744-C15886C2E8DC}"/>
+              </a:ext>
+            </a:extLst>
+          </p:cNvPr>
+          <p:cNvPicPr>
+            <a:picLocks noChangeAspect="1"/>
+          </p:cNvPicPr>
+          <p:nvPr/>
+        </p:nvPicPr>
+        <p:blipFill rotWithShape="1">
+          <a:blip r:embed="rId2"/>
+          <a:srcRect l="5176" t="5448" r="5176" b="5448"/>
+          <a:stretch/>
+        </p:blipFill>
+        <p:spPr>
+          <a:xfrm>
+            <a:off x="342932" y="0"/>
+            <a:ext cx="1080120" cy="1080120"/>
+          </a:xfrm>
+          <a:prstGeom prst="rect">
+            <a:avLst/>
+          </a:prstGeom>
+        </p:spPr>
+      </p:pic>
+      <p:sp>
+        <p:nvSpPr>
+          <p:cNvPr id="7" name="TextBox 6">
+            <a:extLst>
+              <a:ext uri="{FF2B5EF4-FFF2-40B4-BE49-F238E27FC236}">
+                <a16:creationId xmlns:a16="http://schemas.microsoft.com/office/drawing/2014/main" id="{7AC5DA52-C82F-5A9E-788E-E84B5C8B8036}"/>
+              </a:ext>
+            </a:extLst>
+          </p:cNvPr>
+          <p:cNvSpPr txBox="1"/>
+          <p:nvPr/>
+        </p:nvSpPr>
+        <p:spPr>
+          <a:xfrm>
+            <a:off x="1569521" y="596447"/>
+            <a:ext cx="4536504" cy="400110"/>
+          </a:xfrm>
+          <a:prstGeom prst="rect">
+            <a:avLst/>
+          </a:prstGeom>
+          <a:noFill/>
+        </p:spPr>
+        <p:txBody>
+          <a:bodyPr wrap="square" rtlCol="0">
+            <a:spAutoFit/>
+          </a:bodyPr>
+          <a:lstStyle/>
+          <a:p>
+            <a:pPr algn="ctr"/>
+            <a:r>
+              <a:rPr lang="en-US" altLang="ko-KR" sz="2000">
+                <a:ln>
+                  <a:solidFill>
+                    <a:schemeClr val="accent1">
+                      <a:shade val="15000"/>
+                      <a:alpha val="0"/>
+                    </a:schemeClr>
+                  </a:solidFill>
+                </a:ln>
+                <a:latin typeface="수성돋움체" panose="02000600000000000000" pitchFamily="2" charset="-127"/>
+                <a:ea typeface="수성돋움체" panose="02000600000000000000" pitchFamily="2" charset="-127"/>
+                <a:cs typeface="Pretendard ExtraBold" panose="02000903000000020004" pitchFamily="50" charset="-127"/>
+              </a:rPr>
+              <a:t>AI </a:t>
+            </a:r>
+            <a:r>
+              <a:rPr lang="ko-KR" altLang="en-US" sz="2000">
+                <a:ln>
+                  <a:solidFill>
+                    <a:schemeClr val="accent1">
+                      <a:shade val="15000"/>
+                      <a:alpha val="0"/>
+                    </a:schemeClr>
+                  </a:solidFill>
+                </a:ln>
+                <a:latin typeface="수성돋움체" panose="02000600000000000000" pitchFamily="2" charset="-127"/>
+                <a:ea typeface="수성돋움체" panose="02000600000000000000" pitchFamily="2" charset="-127"/>
+                <a:cs typeface="Pretendard ExtraBold" panose="02000903000000020004" pitchFamily="50" charset="-127"/>
+              </a:rPr>
+              <a:t>사고 철학 </a:t>
+            </a:r>
+            <a:r>
+              <a:rPr lang="en-US" altLang="ko-KR" sz="2000">
+                <a:ln>
+                  <a:solidFill>
+                    <a:schemeClr val="accent1">
+                      <a:shade val="15000"/>
+                      <a:alpha val="0"/>
+                    </a:schemeClr>
+                  </a:solidFill>
+                </a:ln>
+                <a:latin typeface="수성돋움체" panose="02000600000000000000" pitchFamily="2" charset="-127"/>
+                <a:ea typeface="수성돋움체" panose="02000600000000000000" pitchFamily="2" charset="-127"/>
+                <a:cs typeface="Pretendard ExtraBold" panose="02000903000000020004" pitchFamily="50" charset="-127"/>
+              </a:rPr>
+              <a:t>: AI Way of Thinking</a:t>
+            </a:r>
+            <a:endParaRPr lang="ko-KR" altLang="en-US" sz="2000">
+              <a:ln>
+                <a:solidFill>
+                  <a:schemeClr val="accent1">
+                    <a:shade val="15000"/>
+                    <a:alpha val="0"/>
+                  </a:schemeClr>
+                </a:solidFill>
+              </a:ln>
+              <a:latin typeface="수성돋움체" panose="02000600000000000000" pitchFamily="2" charset="-127"/>
+              <a:ea typeface="수성돋움체" panose="02000600000000000000" pitchFamily="2" charset="-127"/>
+              <a:cs typeface="Pretendard ExtraBold" panose="02000903000000020004" pitchFamily="50" charset="-127"/>
+            </a:endParaRPr>
+          </a:p>
+        </p:txBody>
+      </p:sp>
+      <p:sp>
+        <p:nvSpPr>
+          <p:cNvPr id="8" name="TextBox 7">
+            <a:extLst>
+              <a:ext uri="{FF2B5EF4-FFF2-40B4-BE49-F238E27FC236}">
+                <a16:creationId xmlns:a16="http://schemas.microsoft.com/office/drawing/2014/main" id="{3DB9EE06-9769-3ECB-5C12-B239A9BD8F0E}"/>
+              </a:ext>
+            </a:extLst>
+          </p:cNvPr>
+          <p:cNvSpPr txBox="1"/>
+          <p:nvPr/>
+        </p:nvSpPr>
+        <p:spPr>
+          <a:xfrm>
+            <a:off x="1594898" y="301194"/>
+            <a:ext cx="4536504" cy="261610"/>
+          </a:xfrm>
+          <a:prstGeom prst="rect">
+            <a:avLst/>
+          </a:prstGeom>
+          <a:noFill/>
+        </p:spPr>
+        <p:txBody>
+          <a:bodyPr wrap="square" rtlCol="0">
+            <a:spAutoFit/>
+          </a:bodyPr>
+          <a:lstStyle/>
+          <a:p>
+            <a:pPr algn="just"/>
+            <a:r>
+              <a:rPr lang="en-US" altLang="ko-KR" sz="1050">
+                <a:ln>
+                  <a:solidFill>
+                    <a:schemeClr val="accent1">
+                      <a:shade val="15000"/>
+                      <a:alpha val="0"/>
+                    </a:schemeClr>
+                  </a:solidFill>
+                </a:ln>
+                <a:solidFill>
+                  <a:srgbClr val="C00000"/>
+                </a:solidFill>
+                <a:latin typeface="Pretendard ExtraBold" panose="02000903000000020004" pitchFamily="50" charset="-127"/>
+                <a:ea typeface="Pretendard ExtraBold" panose="02000903000000020004" pitchFamily="50" charset="-127"/>
+                <a:cs typeface="Pretendard ExtraBold" panose="02000903000000020004" pitchFamily="50" charset="-127"/>
+              </a:rPr>
+              <a:t>AI</a:t>
+            </a:r>
+            <a:r>
+              <a:rPr lang="ko-KR" altLang="en-US" sz="1050">
+                <a:ln>
+                  <a:solidFill>
+                    <a:schemeClr val="accent1">
+                      <a:shade val="15000"/>
+                      <a:alpha val="0"/>
+                    </a:schemeClr>
+                  </a:solidFill>
+                </a:ln>
+                <a:solidFill>
+                  <a:srgbClr val="C00000"/>
+                </a:solidFill>
+                <a:latin typeface="Pretendard ExtraBold" panose="02000903000000020004" pitchFamily="50" charset="-127"/>
+                <a:ea typeface="Pretendard ExtraBold" panose="02000903000000020004" pitchFamily="50" charset="-127"/>
+                <a:cs typeface="Pretendard ExtraBold" panose="02000903000000020004" pitchFamily="50" charset="-127"/>
+              </a:rPr>
+              <a:t>처럼 생각하고</a:t>
+            </a:r>
+            <a:r>
+              <a:rPr lang="en-US" altLang="ko-KR" sz="1050">
+                <a:ln>
+                  <a:solidFill>
+                    <a:schemeClr val="accent1">
+                      <a:shade val="15000"/>
+                      <a:alpha val="0"/>
+                    </a:schemeClr>
+                  </a:solidFill>
+                </a:ln>
+                <a:solidFill>
+                  <a:srgbClr val="C00000"/>
+                </a:solidFill>
+                <a:latin typeface="Pretendard ExtraBold" panose="02000903000000020004" pitchFamily="50" charset="-127"/>
+                <a:ea typeface="Pretendard ExtraBold" panose="02000903000000020004" pitchFamily="50" charset="-127"/>
+                <a:cs typeface="Pretendard ExtraBold" panose="02000903000000020004" pitchFamily="50" charset="-127"/>
+              </a:rPr>
+              <a:t>, AI </a:t>
+            </a:r>
+            <a:r>
+              <a:rPr lang="ko-KR" altLang="en-US" sz="1050">
+                <a:ln>
+                  <a:solidFill>
+                    <a:schemeClr val="accent1">
+                      <a:shade val="15000"/>
+                      <a:alpha val="0"/>
+                    </a:schemeClr>
+                  </a:solidFill>
+                </a:ln>
+                <a:solidFill>
+                  <a:srgbClr val="C00000"/>
+                </a:solidFill>
+                <a:latin typeface="Pretendard ExtraBold" panose="02000903000000020004" pitchFamily="50" charset="-127"/>
+                <a:ea typeface="Pretendard ExtraBold" panose="02000903000000020004" pitchFamily="50" charset="-127"/>
+                <a:cs typeface="Pretendard ExtraBold" panose="02000903000000020004" pitchFamily="50" charset="-127"/>
+              </a:rPr>
+              <a:t>시대를 대비하세요</a:t>
+            </a:r>
+          </a:p>
+        </p:txBody>
+      </p:sp>
+      <p:sp>
+        <p:nvSpPr>
+          <p:cNvPr id="11" name="직각 삼각형 10">
+            <a:extLst>
+              <a:ext uri="{FF2B5EF4-FFF2-40B4-BE49-F238E27FC236}">
+                <a16:creationId xmlns:a16="http://schemas.microsoft.com/office/drawing/2014/main" id="{ED517DED-0FA9-ED2F-F71F-896F51E0F1DB}"/>
+              </a:ext>
+            </a:extLst>
+          </p:cNvPr>
+          <p:cNvSpPr/>
+          <p:nvPr/>
+        </p:nvSpPr>
+        <p:spPr>
+          <a:xfrm rot="5400000">
+            <a:off x="-216000" y="216000"/>
+            <a:ext cx="864000" cy="432000"/>
+          </a:xfrm>
+          <a:prstGeom prst="rtTriangle">
+            <a:avLst/>
+          </a:prstGeom>
+          <a:solidFill>
+            <a:srgbClr val="E81D2B"/>
+          </a:solidFill>
+          <a:ln>
+            <a:noFill/>
+          </a:ln>
+        </p:spPr>
+        <p:style>
+          <a:lnRef idx="2">
+            <a:schemeClr val="accent1">
+              <a:shade val="15000"/>
+            </a:schemeClr>
+          </a:lnRef>
+          <a:fillRef idx="1">
+            <a:schemeClr val="accent1"/>
+          </a:fillRef>
+          <a:effectRef idx="0">
+            <a:schemeClr val="accent1"/>
+          </a:effectRef>
+          <a:fontRef idx="minor">
+            <a:schemeClr val="lt1"/>
+          </a:fontRef>
+        </p:style>
+        <p:txBody>
+          <a:bodyPr rtlCol="0" anchor="ctr"/>
+          <a:lstStyle/>
+          <a:p>
+            <a:pPr algn="ctr"/>
+            <a:endParaRPr lang="ko-KR" altLang="en-US">
+              <a:latin typeface="Pretendard ExtraBold" panose="02000903000000020004" pitchFamily="50" charset="-127"/>
+              <a:ea typeface="Pretendard ExtraBold" panose="02000903000000020004" pitchFamily="50" charset="-127"/>
+              <a:cs typeface="Pretendard ExtraBold" panose="02000903000000020004" pitchFamily="50" charset="-127"/>
+            </a:endParaRPr>
+          </a:p>
+        </p:txBody>
+      </p:sp>
+      <p:sp>
+        <p:nvSpPr>
+          <p:cNvPr id="12" name="직각 삼각형 11">
+            <a:extLst>
+              <a:ext uri="{FF2B5EF4-FFF2-40B4-BE49-F238E27FC236}">
+                <a16:creationId xmlns:a16="http://schemas.microsoft.com/office/drawing/2014/main" id="{F3F6BF72-E940-A1DC-D1F8-EB682780253D}"/>
+              </a:ext>
+            </a:extLst>
+          </p:cNvPr>
+          <p:cNvSpPr/>
+          <p:nvPr/>
+        </p:nvSpPr>
+        <p:spPr>
+          <a:xfrm rot="16200000">
+            <a:off x="5832984" y="431500"/>
+            <a:ext cx="864000" cy="432000"/>
+          </a:xfrm>
+          <a:prstGeom prst="rtTriangle">
+            <a:avLst/>
+          </a:prstGeom>
+          <a:solidFill>
+            <a:srgbClr val="636162"/>
+          </a:solidFill>
+          <a:ln>
+            <a:noFill/>
+          </a:ln>
+        </p:spPr>
+        <p:style>
+          <a:lnRef idx="2">
+            <a:schemeClr val="accent1">
+              <a:shade val="15000"/>
+            </a:schemeClr>
+          </a:lnRef>
+          <a:fillRef idx="1">
+            <a:schemeClr val="accent1"/>
+          </a:fillRef>
+          <a:effectRef idx="0">
+            <a:schemeClr val="accent1"/>
+          </a:effectRef>
+          <a:fontRef idx="minor">
+            <a:schemeClr val="lt1"/>
+          </a:fontRef>
+        </p:style>
+        <p:txBody>
+          <a:bodyPr rtlCol="0" anchor="ctr"/>
+          <a:lstStyle/>
+          <a:p>
+            <a:pPr algn="ctr"/>
+            <a:endParaRPr lang="ko-KR" altLang="en-US">
+              <a:latin typeface="Pretendard ExtraBold" panose="02000903000000020004" pitchFamily="50" charset="-127"/>
+              <a:ea typeface="Pretendard ExtraBold" panose="02000903000000020004" pitchFamily="50" charset="-127"/>
+              <a:cs typeface="Pretendard ExtraBold" panose="02000903000000020004" pitchFamily="50" charset="-127"/>
+            </a:endParaRPr>
+          </a:p>
+        </p:txBody>
+      </p:sp>
+      <p:sp>
+        <p:nvSpPr>
+          <p:cNvPr id="13" name="TextBox 12">
+            <a:extLst>
+              <a:ext uri="{FF2B5EF4-FFF2-40B4-BE49-F238E27FC236}">
+                <a16:creationId xmlns:a16="http://schemas.microsoft.com/office/drawing/2014/main" id="{1D9F0859-EDCD-6CF8-28B7-F56EE52F1C5E}"/>
+              </a:ext>
+            </a:extLst>
+          </p:cNvPr>
+          <p:cNvSpPr txBox="1"/>
+          <p:nvPr/>
+        </p:nvSpPr>
+        <p:spPr>
+          <a:xfrm>
+            <a:off x="1442588" y="54117"/>
+            <a:ext cx="4841123" cy="246221"/>
+          </a:xfrm>
+          <a:prstGeom prst="rect">
+            <a:avLst/>
+          </a:prstGeom>
+          <a:noFill/>
+        </p:spPr>
+        <p:txBody>
+          <a:bodyPr wrap="square" rtlCol="0">
+            <a:spAutoFit/>
+          </a:bodyPr>
+          <a:lstStyle/>
+          <a:p>
+            <a:pPr algn="just"/>
+            <a:r>
+              <a:rPr lang="ko-KR" altLang="en-US" sz="1000">
+                <a:ln>
+                  <a:solidFill>
+                    <a:schemeClr val="accent1">
+                      <a:shade val="15000"/>
+                      <a:alpha val="0"/>
+                    </a:schemeClr>
+                  </a:solidFill>
+                </a:ln>
+                <a:solidFill>
+                  <a:schemeClr val="bg1">
+                    <a:lumMod val="50000"/>
+                  </a:schemeClr>
+                </a:solidFill>
+                <a:latin typeface="Pretendard ExtraBold" panose="02000903000000020004" pitchFamily="50" charset="-127"/>
+                <a:ea typeface="Pretendard ExtraBold" panose="02000903000000020004" pitchFamily="50" charset="-127"/>
+                <a:cs typeface="Pretendard ExtraBold" panose="02000903000000020004" pitchFamily="50" charset="-127"/>
+              </a:rPr>
+              <a:t>빠르면 </a:t>
+            </a:r>
+            <a:r>
+              <a:rPr lang="en-US" altLang="ko-KR" sz="1000">
+                <a:ln>
+                  <a:solidFill>
+                    <a:schemeClr val="accent1">
+                      <a:shade val="15000"/>
+                      <a:alpha val="0"/>
+                    </a:schemeClr>
+                  </a:solidFill>
+                </a:ln>
+                <a:solidFill>
+                  <a:schemeClr val="bg1">
+                    <a:lumMod val="50000"/>
+                  </a:schemeClr>
+                </a:solidFill>
+                <a:latin typeface="Pretendard ExtraBold" panose="02000903000000020004" pitchFamily="50" charset="-127"/>
+                <a:ea typeface="Pretendard ExtraBold" panose="02000903000000020004" pitchFamily="50" charset="-127"/>
+                <a:cs typeface="Pretendard ExtraBold" panose="02000903000000020004" pitchFamily="50" charset="-127"/>
+              </a:rPr>
+              <a:t>1</a:t>
+            </a:r>
+            <a:r>
+              <a:rPr lang="ko-KR" altLang="en-US" sz="1000">
+                <a:ln>
+                  <a:solidFill>
+                    <a:schemeClr val="accent1">
+                      <a:shade val="15000"/>
+                      <a:alpha val="0"/>
+                    </a:schemeClr>
+                  </a:solidFill>
+                </a:ln>
+                <a:solidFill>
+                  <a:schemeClr val="bg1">
+                    <a:lumMod val="50000"/>
+                  </a:schemeClr>
+                </a:solidFill>
+                <a:latin typeface="Pretendard ExtraBold" panose="02000903000000020004" pitchFamily="50" charset="-127"/>
+                <a:ea typeface="Pretendard ExtraBold" panose="02000903000000020004" pitchFamily="50" charset="-127"/>
+                <a:cs typeface="Pretendard ExtraBold" panose="02000903000000020004" pitchFamily="50" charset="-127"/>
+              </a:rPr>
+              <a:t>년</a:t>
+            </a:r>
+            <a:r>
+              <a:rPr lang="en-US" altLang="ko-KR" sz="1000">
+                <a:ln>
+                  <a:solidFill>
+                    <a:schemeClr val="accent1">
+                      <a:shade val="15000"/>
+                      <a:alpha val="0"/>
+                    </a:schemeClr>
+                  </a:solidFill>
+                </a:ln>
+                <a:solidFill>
+                  <a:schemeClr val="bg1">
+                    <a:lumMod val="50000"/>
+                  </a:schemeClr>
+                </a:solidFill>
+                <a:latin typeface="Pretendard ExtraBold" panose="02000903000000020004" pitchFamily="50" charset="-127"/>
+                <a:ea typeface="Pretendard ExtraBold" panose="02000903000000020004" pitchFamily="50" charset="-127"/>
+                <a:cs typeface="Pretendard ExtraBold" panose="02000903000000020004" pitchFamily="50" charset="-127"/>
+              </a:rPr>
+              <a:t>, </a:t>
+            </a:r>
+            <a:r>
+              <a:rPr lang="ko-KR" altLang="en-US" sz="1000">
+                <a:ln>
+                  <a:solidFill>
+                    <a:schemeClr val="accent1">
+                      <a:shade val="15000"/>
+                      <a:alpha val="0"/>
+                    </a:schemeClr>
+                  </a:solidFill>
+                </a:ln>
+                <a:solidFill>
+                  <a:schemeClr val="bg1">
+                    <a:lumMod val="50000"/>
+                  </a:schemeClr>
+                </a:solidFill>
+                <a:latin typeface="Pretendard ExtraBold" panose="02000903000000020004" pitchFamily="50" charset="-127"/>
+                <a:ea typeface="Pretendard ExtraBold" panose="02000903000000020004" pitchFamily="50" charset="-127"/>
+                <a:cs typeface="Pretendard ExtraBold" panose="02000903000000020004" pitchFamily="50" charset="-127"/>
+              </a:rPr>
+              <a:t>늦어도 </a:t>
+            </a:r>
+            <a:r>
+              <a:rPr lang="en-US" altLang="ko-KR" sz="1000">
+                <a:ln>
+                  <a:solidFill>
+                    <a:schemeClr val="accent1">
+                      <a:shade val="15000"/>
+                      <a:alpha val="0"/>
+                    </a:schemeClr>
+                  </a:solidFill>
+                </a:ln>
+                <a:solidFill>
+                  <a:schemeClr val="bg1">
+                    <a:lumMod val="50000"/>
+                  </a:schemeClr>
+                </a:solidFill>
+                <a:latin typeface="Pretendard ExtraBold" panose="02000903000000020004" pitchFamily="50" charset="-127"/>
+                <a:ea typeface="Pretendard ExtraBold" panose="02000903000000020004" pitchFamily="50" charset="-127"/>
+                <a:cs typeface="Pretendard ExtraBold" panose="02000903000000020004" pitchFamily="50" charset="-127"/>
+              </a:rPr>
+              <a:t>5</a:t>
+            </a:r>
+            <a:r>
+              <a:rPr lang="ko-KR" altLang="en-US" sz="1000">
+                <a:ln>
+                  <a:solidFill>
+                    <a:schemeClr val="accent1">
+                      <a:shade val="15000"/>
+                      <a:alpha val="0"/>
+                    </a:schemeClr>
+                  </a:solidFill>
+                </a:ln>
+                <a:solidFill>
+                  <a:schemeClr val="bg1">
+                    <a:lumMod val="50000"/>
+                  </a:schemeClr>
+                </a:solidFill>
+                <a:latin typeface="Pretendard ExtraBold" panose="02000903000000020004" pitchFamily="50" charset="-127"/>
+                <a:ea typeface="Pretendard ExtraBold" panose="02000903000000020004" pitchFamily="50" charset="-127"/>
+                <a:cs typeface="Pretendard ExtraBold" panose="02000903000000020004" pitchFamily="50" charset="-127"/>
+              </a:rPr>
+              <a:t>년</a:t>
+            </a:r>
+            <a:r>
+              <a:rPr lang="en-US" altLang="ko-KR" sz="1000">
+                <a:ln>
+                  <a:solidFill>
+                    <a:schemeClr val="accent1">
+                      <a:shade val="15000"/>
+                      <a:alpha val="0"/>
+                    </a:schemeClr>
+                  </a:solidFill>
+                </a:ln>
+                <a:solidFill>
+                  <a:schemeClr val="bg1">
+                    <a:lumMod val="50000"/>
+                  </a:schemeClr>
+                </a:solidFill>
+                <a:latin typeface="Pretendard ExtraBold" panose="02000903000000020004" pitchFamily="50" charset="-127"/>
+                <a:ea typeface="Pretendard ExtraBold" panose="02000903000000020004" pitchFamily="50" charset="-127"/>
+                <a:cs typeface="Pretendard ExtraBold" panose="02000903000000020004" pitchFamily="50" charset="-127"/>
+              </a:rPr>
+              <a:t>... </a:t>
+            </a:r>
+            <a:r>
+              <a:rPr lang="ko-KR" altLang="en-US" sz="1000">
+                <a:ln>
+                  <a:solidFill>
+                    <a:schemeClr val="accent1">
+                      <a:shade val="15000"/>
+                      <a:alpha val="0"/>
+                    </a:schemeClr>
+                  </a:solidFill>
+                </a:ln>
+                <a:solidFill>
+                  <a:schemeClr val="bg1">
+                    <a:lumMod val="50000"/>
+                  </a:schemeClr>
+                </a:solidFill>
+                <a:latin typeface="Pretendard ExtraBold" panose="02000903000000020004" pitchFamily="50" charset="-127"/>
+                <a:ea typeface="Pretendard ExtraBold" panose="02000903000000020004" pitchFamily="50" charset="-127"/>
+                <a:cs typeface="Pretendard ExtraBold" panose="02000903000000020004" pitchFamily="50" charset="-127"/>
+              </a:rPr>
+              <a:t>우리가 대비해야할 놀랍고도 두려운 미래</a:t>
+            </a:r>
+          </a:p>
+        </p:txBody>
+      </p:sp>
+    </p:spTree>
+    <p:extLst>
+      <p:ext uri="{BB962C8B-B14F-4D97-AF65-F5344CB8AC3E}">
+        <p14:creationId xmlns:p14="http://schemas.microsoft.com/office/powerpoint/2010/main" val="2379940089"/>
+      </p:ext>
+    </p:extLst>
+  </p:cSld>
+  <p:clrMapOvr>
+    <a:masterClrMapping/>
+  </p:clrMapOvr>
+</p:sld>
+</file>
+
+<file path=ppt/slides/slide2.xml><?xml version="1.0" encoding="utf-8"?>
+<p:sld xmlns:a="http://schemas.openxmlformats.org/drawingml/2006/main" xmlns:r="http://schemas.openxmlformats.org/officeDocument/2006/relationships" xmlns:p="http://schemas.openxmlformats.org/presentationml/2006/main">
+  <p:cSld>
+    <p:spTree>
+      <p:nvGrpSpPr>
+        <p:cNvPr id="1" name=""/>
+        <p:cNvGrpSpPr/>
+        <p:nvPr/>
+      </p:nvGrpSpPr>
+      <p:grpSpPr>
+        <a:xfrm>
+          <a:off x="0" y="0"/>
+          <a:ext cx="0" cy="0"/>
+          <a:chOff x="0" y="0"/>
+          <a:chExt cx="0" cy="0"/>
+        </a:xfrm>
+      </p:grpSpPr>
+      <p:pic>
+        <p:nvPicPr>
+          <p:cNvPr id="1026" name="Picture 2">
+            <a:extLst>
+              <a:ext uri="{FF2B5EF4-FFF2-40B4-BE49-F238E27FC236}">
+                <a16:creationId xmlns:a16="http://schemas.microsoft.com/office/drawing/2014/main" id="{746B24B6-E68E-DA42-E087-B92D4BBE230F}"/>
+              </a:ext>
+            </a:extLst>
+          </p:cNvPr>
+          <p:cNvPicPr>
+            <a:picLocks noChangeAspect="1" noChangeArrowheads="1"/>
+          </p:cNvPicPr>
+          <p:nvPr/>
+        </p:nvPicPr>
+        <p:blipFill>
+          <a:blip r:embed="rId2">
+            <a:extLst>
+              <a:ext uri="{28A0092B-C50C-407E-A947-70E740481C1C}">
+                <a14:useLocalDpi xmlns:a14="http://schemas.microsoft.com/office/drawing/2010/main" val="0"/>
+              </a:ext>
+            </a:extLst>
+          </a:blip>
+          <a:srcRect/>
+          <a:stretch>
+            <a:fillRect/>
+          </a:stretch>
+        </p:blipFill>
+        <p:spPr bwMode="auto">
+          <a:xfrm>
+            <a:off x="481013" y="0"/>
+            <a:ext cx="5518150" cy="1079500"/>
+          </a:xfrm>
+          <a:prstGeom prst="rect">
+            <a:avLst/>
+          </a:prstGeom>
+          <a:noFill/>
+          <a:extLst>
+            <a:ext uri="{909E8E84-426E-40DD-AFC4-6F175D3DCCD1}">
+              <a14:hiddenFill xmlns:a14="http://schemas.microsoft.com/office/drawing/2010/main">
+                <a:solidFill>
+                  <a:srgbClr val="FFFFFF"/>
+                </a:solidFill>
+              </a14:hiddenFill>
+            </a:ext>
+          </a:extLst>
+        </p:spPr>
+      </p:pic>
+    </p:spTree>
+    <p:extLst>
+      <p:ext uri="{BB962C8B-B14F-4D97-AF65-F5344CB8AC3E}">
+        <p14:creationId xmlns:p14="http://schemas.microsoft.com/office/powerpoint/2010/main" val="3347972789"/>
+      </p:ext>
+    </p:extLst>
+  </p:cSld>
+  <p:clrMapOvr>
+    <a:masterClrMapping/>
+  </p:clrMapOvr>
+</p:sld>
+</file>
+
+<file path=ppt/slides/slide3.xml><?xml version="1.0" encoding="utf-8"?>
+<p:sld xmlns:a="http://schemas.openxmlformats.org/drawingml/2006/main" xmlns:r="http://schemas.openxmlformats.org/officeDocument/2006/relationships" xmlns:p="http://schemas.openxmlformats.org/presentationml/2006/main">
+  <p:cSld>
+    <p:spTree>
+      <p:nvGrpSpPr>
+        <p:cNvPr id="1" name=""/>
+        <p:cNvGrpSpPr/>
+        <p:nvPr/>
+      </p:nvGrpSpPr>
+      <p:grpSpPr>
+        <a:xfrm>
+          <a:off x="0" y="0"/>
+          <a:ext cx="0" cy="0"/>
+          <a:chOff x="0" y="0"/>
+          <a:chExt cx="0" cy="0"/>
+        </a:xfrm>
+      </p:grpSpPr>
+      <p:pic>
+        <p:nvPicPr>
           <p:cNvPr id="22" name="그림 21">
             <a:extLst>
               <a:ext uri="{FF2B5EF4-FFF2-40B4-BE49-F238E27FC236}">
@@ -3002,6 +3684,779 @@
     <p:extLst>
       <p:ext uri="{BB962C8B-B14F-4D97-AF65-F5344CB8AC3E}">
         <p14:creationId xmlns:p14="http://schemas.microsoft.com/office/powerpoint/2010/main" val="2168067815"/>
+      </p:ext>
+    </p:extLst>
+  </p:cSld>
+  <p:clrMapOvr>
+    <a:masterClrMapping/>
+  </p:clrMapOvr>
+</p:sld>
+</file>
+
+<file path=ppt/slides/slide4.xml><?xml version="1.0" encoding="utf-8"?>
+<p:sld xmlns:a="http://schemas.openxmlformats.org/drawingml/2006/main" xmlns:r="http://schemas.openxmlformats.org/officeDocument/2006/relationships" xmlns:p="http://schemas.openxmlformats.org/presentationml/2006/main">
+  <p:cSld>
+    <p:bg>
+      <p:bgPr>
+        <a:solidFill>
+          <a:srgbClr val="CFE8E5"/>
+        </a:solidFill>
+        <a:effectLst/>
+      </p:bgPr>
+    </p:bg>
+    <p:spTree>
+      <p:nvGrpSpPr>
+        <p:cNvPr id="1" name=""/>
+        <p:cNvGrpSpPr/>
+        <p:nvPr/>
+      </p:nvGrpSpPr>
+      <p:grpSpPr>
+        <a:xfrm>
+          <a:off x="0" y="0"/>
+          <a:ext cx="0" cy="0"/>
+          <a:chOff x="0" y="0"/>
+          <a:chExt cx="0" cy="0"/>
+        </a:xfrm>
+      </p:grpSpPr>
+      <p:pic>
+        <p:nvPicPr>
+          <p:cNvPr id="5" name="그림 4">
+            <a:extLst>
+              <a:ext uri="{FF2B5EF4-FFF2-40B4-BE49-F238E27FC236}">
+                <a16:creationId xmlns:a16="http://schemas.microsoft.com/office/drawing/2014/main" id="{E52B6124-CFD2-ED9E-CDF8-F393E95BB2C4}"/>
+              </a:ext>
+            </a:extLst>
+          </p:cNvPr>
+          <p:cNvPicPr>
+            <a:picLocks noChangeAspect="1"/>
+          </p:cNvPicPr>
+          <p:nvPr/>
+        </p:nvPicPr>
+        <p:blipFill>
+          <a:blip r:embed="rId2"/>
+          <a:stretch>
+            <a:fillRect/>
+          </a:stretch>
+        </p:blipFill>
+        <p:spPr>
+          <a:xfrm>
+            <a:off x="733818" y="35694"/>
+            <a:ext cx="6480175" cy="434961"/>
+          </a:xfrm>
+          <a:prstGeom prst="rect">
+            <a:avLst/>
+          </a:prstGeom>
+        </p:spPr>
+      </p:pic>
+      <p:pic>
+        <p:nvPicPr>
+          <p:cNvPr id="7" name="그림 6">
+            <a:extLst>
+              <a:ext uri="{FF2B5EF4-FFF2-40B4-BE49-F238E27FC236}">
+                <a16:creationId xmlns:a16="http://schemas.microsoft.com/office/drawing/2014/main" id="{24D237C3-95BF-A519-64EB-9C8587C88060}"/>
+              </a:ext>
+            </a:extLst>
+          </p:cNvPr>
+          <p:cNvPicPr>
+            <a:picLocks noChangeAspect="1"/>
+          </p:cNvPicPr>
+          <p:nvPr/>
+        </p:nvPicPr>
+        <p:blipFill>
+          <a:blip r:embed="rId3"/>
+          <a:srcRect r="1396"/>
+          <a:stretch/>
+        </p:blipFill>
+        <p:spPr>
+          <a:xfrm>
+            <a:off x="1196201" y="513546"/>
+            <a:ext cx="3988102" cy="515936"/>
+          </a:xfrm>
+          <a:prstGeom prst="rect">
+            <a:avLst/>
+          </a:prstGeom>
+        </p:spPr>
+      </p:pic>
+    </p:spTree>
+    <p:extLst>
+      <p:ext uri="{BB962C8B-B14F-4D97-AF65-F5344CB8AC3E}">
+        <p14:creationId xmlns:p14="http://schemas.microsoft.com/office/powerpoint/2010/main" val="2704853881"/>
+      </p:ext>
+    </p:extLst>
+  </p:cSld>
+  <p:clrMapOvr>
+    <a:masterClrMapping/>
+  </p:clrMapOvr>
+</p:sld>
+</file>
+
+<file path=ppt/slides/slide5.xml><?xml version="1.0" encoding="utf-8"?>
+<p:sld xmlns:a="http://schemas.openxmlformats.org/drawingml/2006/main" xmlns:r="http://schemas.openxmlformats.org/officeDocument/2006/relationships" xmlns:p="http://schemas.openxmlformats.org/presentationml/2006/main">
+  <p:cSld>
+    <p:bg>
+      <p:bgPr>
+        <a:solidFill>
+          <a:srgbClr val="003756"/>
+        </a:solidFill>
+        <a:effectLst/>
+      </p:bgPr>
+    </p:bg>
+    <p:spTree>
+      <p:nvGrpSpPr>
+        <p:cNvPr id="1" name=""/>
+        <p:cNvGrpSpPr/>
+        <p:nvPr/>
+      </p:nvGrpSpPr>
+      <p:grpSpPr>
+        <a:xfrm>
+          <a:off x="0" y="0"/>
+          <a:ext cx="0" cy="0"/>
+          <a:chOff x="0" y="0"/>
+          <a:chExt cx="0" cy="0"/>
+        </a:xfrm>
+      </p:grpSpPr>
+      <p:sp>
+        <p:nvSpPr>
+          <p:cNvPr id="4" name="타원 3">
+            <a:extLst>
+              <a:ext uri="{FF2B5EF4-FFF2-40B4-BE49-F238E27FC236}">
+                <a16:creationId xmlns:a16="http://schemas.microsoft.com/office/drawing/2014/main" id="{5D5E7DF8-1643-52DE-AC14-4F5699AB7678}"/>
+              </a:ext>
+            </a:extLst>
+          </p:cNvPr>
+          <p:cNvSpPr/>
+          <p:nvPr/>
+        </p:nvSpPr>
+        <p:spPr>
+          <a:xfrm>
+            <a:off x="2527069" y="-605728"/>
+            <a:ext cx="4127319" cy="1008112"/>
+          </a:xfrm>
+          <a:prstGeom prst="ellipse">
+            <a:avLst/>
+          </a:prstGeom>
+          <a:solidFill>
+            <a:schemeClr val="bg1"/>
+          </a:solidFill>
+          <a:ln>
+            <a:noFill/>
+          </a:ln>
+        </p:spPr>
+        <p:style>
+          <a:lnRef idx="2">
+            <a:schemeClr val="accent1">
+              <a:shade val="15000"/>
+            </a:schemeClr>
+          </a:lnRef>
+          <a:fillRef idx="1">
+            <a:schemeClr val="accent1"/>
+          </a:fillRef>
+          <a:effectRef idx="0">
+            <a:schemeClr val="accent1"/>
+          </a:effectRef>
+          <a:fontRef idx="minor">
+            <a:schemeClr val="lt1"/>
+          </a:fontRef>
+        </p:style>
+        <p:txBody>
+          <a:bodyPr rtlCol="0" anchor="ctr"/>
+          <a:lstStyle/>
+          <a:p>
+            <a:pPr algn="ctr"/>
+            <a:endParaRPr lang="ko-KR" altLang="en-US"/>
+          </a:p>
+        </p:txBody>
+      </p:sp>
+      <p:pic>
+        <p:nvPicPr>
+          <p:cNvPr id="3" name="그림 2">
+            <a:extLst>
+              <a:ext uri="{FF2B5EF4-FFF2-40B4-BE49-F238E27FC236}">
+                <a16:creationId xmlns:a16="http://schemas.microsoft.com/office/drawing/2014/main" id="{123DFF8F-761B-8320-23AD-DD3E6F732733}"/>
+              </a:ext>
+            </a:extLst>
+          </p:cNvPr>
+          <p:cNvPicPr>
+            <a:picLocks noChangeAspect="1"/>
+          </p:cNvPicPr>
+          <p:nvPr/>
+        </p:nvPicPr>
+        <p:blipFill>
+          <a:blip r:embed="rId2"/>
+          <a:stretch>
+            <a:fillRect/>
+          </a:stretch>
+        </p:blipFill>
+        <p:spPr>
+          <a:xfrm>
+            <a:off x="926873" y="0"/>
+            <a:ext cx="4626429" cy="1079500"/>
+          </a:xfrm>
+          <a:prstGeom prst="rect">
+            <a:avLst/>
+          </a:prstGeom>
+        </p:spPr>
+      </p:pic>
+      <p:pic>
+        <p:nvPicPr>
+          <p:cNvPr id="6" name="그림 5">
+            <a:extLst>
+              <a:ext uri="{FF2B5EF4-FFF2-40B4-BE49-F238E27FC236}">
+                <a16:creationId xmlns:a16="http://schemas.microsoft.com/office/drawing/2014/main" id="{4592AE49-2E3F-D291-DA93-D616CC501312}"/>
+              </a:ext>
+            </a:extLst>
+          </p:cNvPr>
+          <p:cNvPicPr>
+            <a:picLocks noChangeAspect="1"/>
+          </p:cNvPicPr>
+          <p:nvPr/>
+        </p:nvPicPr>
+        <p:blipFill>
+          <a:blip r:embed="rId3"/>
+          <a:stretch>
+            <a:fillRect/>
+          </a:stretch>
+        </p:blipFill>
+        <p:spPr>
+          <a:xfrm>
+            <a:off x="0" y="35587"/>
+            <a:ext cx="1727919" cy="416111"/>
+          </a:xfrm>
+          <a:prstGeom prst="rect">
+            <a:avLst/>
+          </a:prstGeom>
+        </p:spPr>
+      </p:pic>
+    </p:spTree>
+    <p:extLst>
+      <p:ext uri="{BB962C8B-B14F-4D97-AF65-F5344CB8AC3E}">
+        <p14:creationId xmlns:p14="http://schemas.microsoft.com/office/powerpoint/2010/main" val="3658462594"/>
+      </p:ext>
+    </p:extLst>
+  </p:cSld>
+  <p:clrMapOvr>
+    <a:masterClrMapping/>
+  </p:clrMapOvr>
+</p:sld>
+</file>
+
+<file path=ppt/slides/slide6.xml><?xml version="1.0" encoding="utf-8"?>
+<p:sld xmlns:a="http://schemas.openxmlformats.org/drawingml/2006/main" xmlns:r="http://schemas.openxmlformats.org/officeDocument/2006/relationships" xmlns:p="http://schemas.openxmlformats.org/presentationml/2006/main">
+  <p:cSld>
+    <p:spTree>
+      <p:nvGrpSpPr>
+        <p:cNvPr id="1" name=""/>
+        <p:cNvGrpSpPr/>
+        <p:nvPr/>
+      </p:nvGrpSpPr>
+      <p:grpSpPr>
+        <a:xfrm>
+          <a:off x="0" y="0"/>
+          <a:ext cx="0" cy="0"/>
+          <a:chOff x="0" y="0"/>
+          <a:chExt cx="0" cy="0"/>
+        </a:xfrm>
+      </p:grpSpPr>
+      <p:sp>
+        <p:nvSpPr>
+          <p:cNvPr id="4" name="직사각형 3">
+            <a:extLst>
+              <a:ext uri="{FF2B5EF4-FFF2-40B4-BE49-F238E27FC236}">
+                <a16:creationId xmlns:a16="http://schemas.microsoft.com/office/drawing/2014/main" id="{4C2BEB58-97CC-7557-7054-857A84B0B935}"/>
+              </a:ext>
+            </a:extLst>
+          </p:cNvPr>
+          <p:cNvSpPr/>
+          <p:nvPr/>
+        </p:nvSpPr>
+        <p:spPr>
+          <a:xfrm>
+            <a:off x="0" y="179750"/>
+            <a:ext cx="2160000" cy="720000"/>
+          </a:xfrm>
+          <a:prstGeom prst="rect">
+            <a:avLst/>
+          </a:prstGeom>
+          <a:solidFill>
+            <a:schemeClr val="tx2">
+              <a:lumMod val="25000"/>
+              <a:lumOff val="75000"/>
+            </a:schemeClr>
+          </a:solidFill>
+          <a:ln>
+            <a:noFill/>
+          </a:ln>
+        </p:spPr>
+        <p:style>
+          <a:lnRef idx="2">
+            <a:schemeClr val="accent1">
+              <a:shade val="15000"/>
+            </a:schemeClr>
+          </a:lnRef>
+          <a:fillRef idx="1">
+            <a:schemeClr val="accent1"/>
+          </a:fillRef>
+          <a:effectRef idx="0">
+            <a:schemeClr val="accent1"/>
+          </a:effectRef>
+          <a:fontRef idx="minor">
+            <a:schemeClr val="lt1"/>
+          </a:fontRef>
+        </p:style>
+        <p:txBody>
+          <a:bodyPr rtlCol="0" anchor="ctr"/>
+          <a:lstStyle/>
+          <a:p>
+            <a:pPr algn="ctr"/>
+            <a:endParaRPr lang="ko-KR" altLang="en-US"/>
+          </a:p>
+        </p:txBody>
+      </p:sp>
+      <p:sp>
+        <p:nvSpPr>
+          <p:cNvPr id="5" name="직사각형 4">
+            <a:extLst>
+              <a:ext uri="{FF2B5EF4-FFF2-40B4-BE49-F238E27FC236}">
+                <a16:creationId xmlns:a16="http://schemas.microsoft.com/office/drawing/2014/main" id="{2D8E1D77-2E85-D1ED-85B5-DAFE5905B27C}"/>
+              </a:ext>
+            </a:extLst>
+          </p:cNvPr>
+          <p:cNvSpPr/>
+          <p:nvPr/>
+        </p:nvSpPr>
+        <p:spPr>
+          <a:xfrm>
+            <a:off x="2160088" y="179750"/>
+            <a:ext cx="2160000" cy="720000"/>
+          </a:xfrm>
+          <a:prstGeom prst="rect">
+            <a:avLst/>
+          </a:prstGeom>
+          <a:solidFill>
+            <a:schemeClr val="tx2">
+              <a:lumMod val="25000"/>
+              <a:lumOff val="75000"/>
+            </a:schemeClr>
+          </a:solidFill>
+          <a:ln>
+            <a:noFill/>
+          </a:ln>
+        </p:spPr>
+        <p:style>
+          <a:lnRef idx="2">
+            <a:schemeClr val="accent1">
+              <a:shade val="15000"/>
+            </a:schemeClr>
+          </a:lnRef>
+          <a:fillRef idx="1">
+            <a:schemeClr val="accent1"/>
+          </a:fillRef>
+          <a:effectRef idx="0">
+            <a:schemeClr val="accent1"/>
+          </a:effectRef>
+          <a:fontRef idx="minor">
+            <a:schemeClr val="lt1"/>
+          </a:fontRef>
+        </p:style>
+        <p:txBody>
+          <a:bodyPr rtlCol="0" anchor="ctr"/>
+          <a:lstStyle/>
+          <a:p>
+            <a:pPr algn="ctr"/>
+            <a:endParaRPr lang="ko-KR" altLang="en-US"/>
+          </a:p>
+        </p:txBody>
+      </p:sp>
+      <p:pic>
+        <p:nvPicPr>
+          <p:cNvPr id="3" name="그림 2">
+            <a:extLst>
+              <a:ext uri="{FF2B5EF4-FFF2-40B4-BE49-F238E27FC236}">
+                <a16:creationId xmlns:a16="http://schemas.microsoft.com/office/drawing/2014/main" id="{04C7D760-A4F2-72FB-E1DA-5D9D9DAEE778}"/>
+              </a:ext>
+            </a:extLst>
+          </p:cNvPr>
+          <p:cNvPicPr>
+            <a:picLocks noChangeAspect="1" noChangeArrowheads="1"/>
+          </p:cNvPicPr>
+          <p:nvPr/>
+        </p:nvPicPr>
+        <p:blipFill>
+          <a:blip r:embed="rId2">
+            <a:extLst>
+              <a:ext uri="{28A0092B-C50C-407E-A947-70E740481C1C}">
+                <a14:useLocalDpi xmlns:a14="http://schemas.microsoft.com/office/drawing/2010/main" val="0"/>
+              </a:ext>
+            </a:extLst>
+          </a:blip>
+          <a:srcRect l="11867" r="11867"/>
+          <a:stretch>
+            <a:fillRect/>
+          </a:stretch>
+        </p:blipFill>
+        <p:spPr bwMode="auto">
+          <a:xfrm>
+            <a:off x="0" y="221129"/>
+            <a:ext cx="2160000" cy="637243"/>
+          </a:xfrm>
+          <a:custGeom>
+            <a:avLst/>
+            <a:gdLst>
+              <a:gd name="connsiteX0" fmla="*/ 0 w 3240000"/>
+              <a:gd name="connsiteY0" fmla="*/ 0 h 955864"/>
+              <a:gd name="connsiteX1" fmla="*/ 3240000 w 3240000"/>
+              <a:gd name="connsiteY1" fmla="*/ 0 h 955864"/>
+              <a:gd name="connsiteX2" fmla="*/ 3240000 w 3240000"/>
+              <a:gd name="connsiteY2" fmla="*/ 955864 h 955864"/>
+              <a:gd name="connsiteX3" fmla="*/ 0 w 3240000"/>
+              <a:gd name="connsiteY3" fmla="*/ 955864 h 955864"/>
+            </a:gdLst>
+            <a:ahLst/>
+            <a:cxnLst>
+              <a:cxn ang="0">
+                <a:pos x="connsiteX0" y="connsiteY0"/>
+              </a:cxn>
+              <a:cxn ang="0">
+                <a:pos x="connsiteX1" y="connsiteY1"/>
+              </a:cxn>
+              <a:cxn ang="0">
+                <a:pos x="connsiteX2" y="connsiteY2"/>
+              </a:cxn>
+              <a:cxn ang="0">
+                <a:pos x="connsiteX3" y="connsiteY3"/>
+              </a:cxn>
+            </a:cxnLst>
+            <a:rect l="l" t="t" r="r" b="b"/>
+            <a:pathLst>
+              <a:path w="3240000" h="955864">
+                <a:moveTo>
+                  <a:pt x="0" y="0"/>
+                </a:moveTo>
+                <a:lnTo>
+                  <a:pt x="3240000" y="0"/>
+                </a:lnTo>
+                <a:lnTo>
+                  <a:pt x="3240000" y="955864"/>
+                </a:lnTo>
+                <a:lnTo>
+                  <a:pt x="0" y="955864"/>
+                </a:lnTo>
+                <a:close/>
+              </a:path>
+            </a:pathLst>
+          </a:custGeom>
+          <a:noFill/>
+          <a:extLst>
+            <a:ext uri="{909E8E84-426E-40DD-AFC4-6F175D3DCCD1}">
+              <a14:hiddenFill xmlns:a14="http://schemas.microsoft.com/office/drawing/2010/main">
+                <a:solidFill>
+                  <a:srgbClr val="FFFFFF"/>
+                </a:solidFill>
+              </a14:hiddenFill>
+            </a:ext>
+          </a:extLst>
+        </p:spPr>
+      </p:pic>
+      <p:sp>
+        <p:nvSpPr>
+          <p:cNvPr id="2" name="직사각형 1">
+            <a:extLst>
+              <a:ext uri="{FF2B5EF4-FFF2-40B4-BE49-F238E27FC236}">
+                <a16:creationId xmlns:a16="http://schemas.microsoft.com/office/drawing/2014/main" id="{24427D6D-9F9C-9259-323D-40B2F7B3C003}"/>
+              </a:ext>
+            </a:extLst>
+          </p:cNvPr>
+          <p:cNvSpPr/>
+          <p:nvPr/>
+        </p:nvSpPr>
+        <p:spPr>
+          <a:xfrm>
+            <a:off x="4320176" y="179750"/>
+            <a:ext cx="2160000" cy="720000"/>
+          </a:xfrm>
+          <a:prstGeom prst="rect">
+            <a:avLst/>
+          </a:prstGeom>
+          <a:solidFill>
+            <a:schemeClr val="tx2">
+              <a:lumMod val="25000"/>
+              <a:lumOff val="75000"/>
+            </a:schemeClr>
+          </a:solidFill>
+          <a:ln>
+            <a:noFill/>
+          </a:ln>
+        </p:spPr>
+        <p:style>
+          <a:lnRef idx="2">
+            <a:schemeClr val="accent1">
+              <a:shade val="15000"/>
+            </a:schemeClr>
+          </a:lnRef>
+          <a:fillRef idx="1">
+            <a:schemeClr val="accent1"/>
+          </a:fillRef>
+          <a:effectRef idx="0">
+            <a:schemeClr val="accent1"/>
+          </a:effectRef>
+          <a:fontRef idx="minor">
+            <a:schemeClr val="lt1"/>
+          </a:fontRef>
+        </p:style>
+        <p:txBody>
+          <a:bodyPr rtlCol="0" anchor="ctr"/>
+          <a:lstStyle/>
+          <a:p>
+            <a:pPr algn="ctr"/>
+            <a:endParaRPr lang="ko-KR" altLang="en-US"/>
+          </a:p>
+        </p:txBody>
+      </p:sp>
+      <p:pic>
+        <p:nvPicPr>
+          <p:cNvPr id="1028" name="Picture 4" descr="병아리 참기름">
+            <a:extLst>
+              <a:ext uri="{FF2B5EF4-FFF2-40B4-BE49-F238E27FC236}">
+                <a16:creationId xmlns:a16="http://schemas.microsoft.com/office/drawing/2014/main" id="{F4115B5A-4CD7-8F72-688A-7E182356B2F8}"/>
+              </a:ext>
+            </a:extLst>
+          </p:cNvPr>
+          <p:cNvPicPr>
+            <a:picLocks noChangeAspect="1" noChangeArrowheads="1"/>
+          </p:cNvPicPr>
+          <p:nvPr/>
+        </p:nvPicPr>
+        <p:blipFill>
+          <a:blip r:embed="rId3">
+            <a:extLst>
+              <a:ext uri="{28A0092B-C50C-407E-A947-70E740481C1C}">
+                <a14:useLocalDpi xmlns:a14="http://schemas.microsoft.com/office/drawing/2010/main" val="0"/>
+              </a:ext>
+            </a:extLst>
+          </a:blip>
+          <a:srcRect/>
+          <a:stretch>
+            <a:fillRect/>
+          </a:stretch>
+        </p:blipFill>
+        <p:spPr bwMode="auto">
+          <a:xfrm>
+            <a:off x="4320175" y="296750"/>
+            <a:ext cx="2160000" cy="486000"/>
+          </a:xfrm>
+          <a:prstGeom prst="rect">
+            <a:avLst/>
+          </a:prstGeom>
+          <a:noFill/>
+          <a:extLst>
+            <a:ext uri="{909E8E84-426E-40DD-AFC4-6F175D3DCCD1}">
+              <a14:hiddenFill xmlns:a14="http://schemas.microsoft.com/office/drawing/2010/main">
+                <a:solidFill>
+                  <a:srgbClr val="FFFFFF"/>
+                </a:solidFill>
+              </a14:hiddenFill>
+            </a:ext>
+          </a:extLst>
+        </p:spPr>
+      </p:pic>
+    </p:spTree>
+    <p:extLst>
+      <p:ext uri="{BB962C8B-B14F-4D97-AF65-F5344CB8AC3E}">
+        <p14:creationId xmlns:p14="http://schemas.microsoft.com/office/powerpoint/2010/main" val="3086278479"/>
+      </p:ext>
+    </p:extLst>
+  </p:cSld>
+  <p:clrMapOvr>
+    <a:masterClrMapping/>
+  </p:clrMapOvr>
+</p:sld>
+</file>
+
+<file path=ppt/slides/slide7.xml><?xml version="1.0" encoding="utf-8"?>
+<p:sld xmlns:a="http://schemas.openxmlformats.org/drawingml/2006/main" xmlns:r="http://schemas.openxmlformats.org/officeDocument/2006/relationships" xmlns:p="http://schemas.openxmlformats.org/presentationml/2006/main">
+  <p:cSld>
+    <p:spTree>
+      <p:nvGrpSpPr>
+        <p:cNvPr id="1" name=""/>
+        <p:cNvGrpSpPr/>
+        <p:nvPr/>
+      </p:nvGrpSpPr>
+      <p:grpSpPr>
+        <a:xfrm>
+          <a:off x="0" y="0"/>
+          <a:ext cx="0" cy="0"/>
+          <a:chOff x="0" y="0"/>
+          <a:chExt cx="0" cy="0"/>
+        </a:xfrm>
+      </p:grpSpPr>
+      <p:pic>
+        <p:nvPicPr>
+          <p:cNvPr id="3" name="그림 2">
+            <a:extLst>
+              <a:ext uri="{FF2B5EF4-FFF2-40B4-BE49-F238E27FC236}">
+                <a16:creationId xmlns:a16="http://schemas.microsoft.com/office/drawing/2014/main" id="{25944363-6D19-34CF-EC36-DF0398B66A7D}"/>
+              </a:ext>
+            </a:extLst>
+          </p:cNvPr>
+          <p:cNvPicPr>
+            <a:picLocks noChangeAspect="1"/>
+          </p:cNvPicPr>
+          <p:nvPr/>
+        </p:nvPicPr>
+        <p:blipFill>
+          <a:blip r:embed="rId2"/>
+          <a:srcRect l="441" r="441"/>
+          <a:stretch/>
+        </p:blipFill>
+        <p:spPr>
+          <a:xfrm>
+            <a:off x="1241425" y="0"/>
+            <a:ext cx="3997326" cy="1079500"/>
+          </a:xfrm>
+          <a:prstGeom prst="rect">
+            <a:avLst/>
+          </a:prstGeom>
+        </p:spPr>
+      </p:pic>
+    </p:spTree>
+    <p:extLst>
+      <p:ext uri="{BB962C8B-B14F-4D97-AF65-F5344CB8AC3E}">
+        <p14:creationId xmlns:p14="http://schemas.microsoft.com/office/powerpoint/2010/main" val="1704541206"/>
+      </p:ext>
+    </p:extLst>
+  </p:cSld>
+  <p:clrMapOvr>
+    <a:masterClrMapping/>
+  </p:clrMapOvr>
+</p:sld>
+</file>
+
+<file path=ppt/slides/slide8.xml><?xml version="1.0" encoding="utf-8"?>
+<p:sld xmlns:a="http://schemas.openxmlformats.org/drawingml/2006/main" xmlns:r="http://schemas.openxmlformats.org/officeDocument/2006/relationships" xmlns:p="http://schemas.openxmlformats.org/presentationml/2006/main">
+  <p:cSld>
+    <p:spTree>
+      <p:nvGrpSpPr>
+        <p:cNvPr id="1" name=""/>
+        <p:cNvGrpSpPr/>
+        <p:nvPr/>
+      </p:nvGrpSpPr>
+      <p:grpSpPr>
+        <a:xfrm>
+          <a:off x="0" y="0"/>
+          <a:ext cx="0" cy="0"/>
+          <a:chOff x="0" y="0"/>
+          <a:chExt cx="0" cy="0"/>
+        </a:xfrm>
+      </p:grpSpPr>
+      <p:sp>
+        <p:nvSpPr>
+          <p:cNvPr id="8" name="AutoShape 2">
+            <a:extLst>
+              <a:ext uri="{FF2B5EF4-FFF2-40B4-BE49-F238E27FC236}">
+                <a16:creationId xmlns:a16="http://schemas.microsoft.com/office/drawing/2014/main" id="{86C6C6E6-7938-3DD1-41D3-D7A916E0FCC2}"/>
+              </a:ext>
+            </a:extLst>
+          </p:cNvPr>
+          <p:cNvSpPr>
+            <a:spLocks noChangeAspect="1" noChangeArrowheads="1"/>
+          </p:cNvSpPr>
+          <p:nvPr/>
+        </p:nvSpPr>
+        <p:spPr bwMode="auto">
+          <a:xfrm>
+            <a:off x="3087688" y="387350"/>
+            <a:ext cx="304800" cy="304800"/>
+          </a:xfrm>
+          <a:prstGeom prst="rect">
+            <a:avLst/>
+          </a:prstGeom>
+          <a:noFill/>
+          <a:extLst>
+            <a:ext uri="{909E8E84-426E-40DD-AFC4-6F175D3DCCD1}">
+              <a14:hiddenFill xmlns:a14="http://schemas.microsoft.com/office/drawing/2010/main">
+                <a:solidFill>
+                  <a:srgbClr val="FFFFFF"/>
+                </a:solidFill>
+              </a14:hiddenFill>
+            </a:ext>
+          </a:extLst>
+        </p:spPr>
+        <p:txBody>
+          <a:bodyPr vert="horz" wrap="square" lIns="91440" tIns="45720" rIns="91440" bIns="45720" numCol="1" anchor="t" anchorCtr="0" compatLnSpc="1">
+            <a:prstTxWarp prst="textNoShape">
+              <a:avLst/>
+            </a:prstTxWarp>
+          </a:bodyPr>
+          <a:lstStyle/>
+          <a:p>
+            <a:endParaRPr lang="ko-KR" altLang="en-US"/>
+          </a:p>
+        </p:txBody>
+      </p:sp>
+      <p:pic>
+        <p:nvPicPr>
+          <p:cNvPr id="9" name="그림 8">
+            <a:extLst>
+              <a:ext uri="{FF2B5EF4-FFF2-40B4-BE49-F238E27FC236}">
+                <a16:creationId xmlns:a16="http://schemas.microsoft.com/office/drawing/2014/main" id="{A153E9C0-A974-5B63-9F2A-5F43BB2B78ED}"/>
+              </a:ext>
+            </a:extLst>
+          </p:cNvPr>
+          <p:cNvPicPr>
+            <a:picLocks noChangeAspect="1"/>
+          </p:cNvPicPr>
+          <p:nvPr/>
+        </p:nvPicPr>
+        <p:blipFill>
+          <a:blip r:embed="rId2"/>
+          <a:stretch>
+            <a:fillRect/>
+          </a:stretch>
+        </p:blipFill>
+        <p:spPr>
+          <a:xfrm>
+            <a:off x="1871935" y="-2743200"/>
+            <a:ext cx="5100638" cy="6377940"/>
+          </a:xfrm>
+          <a:prstGeom prst="rect">
+            <a:avLst/>
+          </a:prstGeom>
+        </p:spPr>
+      </p:pic>
+      <p:pic>
+        <p:nvPicPr>
+          <p:cNvPr id="3" name="그림 2">
+            <a:extLst>
+              <a:ext uri="{FF2B5EF4-FFF2-40B4-BE49-F238E27FC236}">
+                <a16:creationId xmlns:a16="http://schemas.microsoft.com/office/drawing/2014/main" id="{AAA359A1-3279-716F-89A4-D7C1359858B7}"/>
+              </a:ext>
+            </a:extLst>
+          </p:cNvPr>
+          <p:cNvPicPr>
+            <a:picLocks noChangeAspect="1"/>
+          </p:cNvPicPr>
+          <p:nvPr/>
+        </p:nvPicPr>
+        <p:blipFill>
+          <a:blip r:embed="rId3"/>
+          <a:stretch>
+            <a:fillRect/>
+          </a:stretch>
+        </p:blipFill>
+        <p:spPr>
+          <a:xfrm>
+            <a:off x="0" y="0"/>
+            <a:ext cx="2230465" cy="1079500"/>
+          </a:xfrm>
+          <a:prstGeom prst="rect">
+            <a:avLst/>
+          </a:prstGeom>
+        </p:spPr>
+      </p:pic>
+    </p:spTree>
+    <p:extLst>
+      <p:ext uri="{BB962C8B-B14F-4D97-AF65-F5344CB8AC3E}">
+        <p14:creationId xmlns:p14="http://schemas.microsoft.com/office/powerpoint/2010/main" val="671761342"/>
       </p:ext>
     </p:extLst>
   </p:cSld>
